--- a/Project_3_presentation_JB_MR.pptx
+++ b/Project_3_presentation_JB_MR.pptx
@@ -14,13 +14,16 @@
     <p:sldId id="263" r:id="rId8"/>
     <p:sldId id="264" r:id="rId9"/>
     <p:sldId id="265" r:id="rId10"/>
-    <p:sldId id="266" r:id="rId11"/>
-    <p:sldId id="267" r:id="rId12"/>
-    <p:sldId id="268" r:id="rId13"/>
-    <p:sldId id="269" r:id="rId14"/>
-    <p:sldId id="270" r:id="rId15"/>
-    <p:sldId id="271" r:id="rId16"/>
-    <p:sldId id="272" r:id="rId17"/>
+    <p:sldId id="274" r:id="rId11"/>
+    <p:sldId id="266" r:id="rId12"/>
+    <p:sldId id="267" r:id="rId13"/>
+    <p:sldId id="275" r:id="rId14"/>
+    <p:sldId id="273" r:id="rId15"/>
+    <p:sldId id="269" r:id="rId16"/>
+    <p:sldId id="268" r:id="rId17"/>
+    <p:sldId id="270" r:id="rId18"/>
+    <p:sldId id="271" r:id="rId19"/>
+    <p:sldId id="272" r:id="rId20"/>
   </p:sldIdLst>
   <p:sldSz cx="9144000" cy="5143500" type="screen16x9"/>
   <p:notesSz cx="6858000" cy="9144000"/>
@@ -640,7 +643,7 @@
           <a:p>
             <a:fld id="{241EB5C9-1307-BA42-ABA2-0BC069CD8E7F}" type="datetimeFigureOut">
               <a:rPr lang="en-US" smtClean="0"/>
-              <a:t>10/31/2023</a:t>
+              <a:t>10/31/23</a:t>
             </a:fld>
             <a:endParaRPr lang="en-US"/>
           </a:p>
@@ -936,7 +939,7 @@
           <a:p>
             <a:fld id="{241EB5C9-1307-BA42-ABA2-0BC069CD8E7F}" type="datetimeFigureOut">
               <a:rPr lang="en-US" smtClean="0"/>
-              <a:t>10/31/2023</a:t>
+              <a:t>10/31/23</a:t>
             </a:fld>
             <a:endParaRPr lang="en-US"/>
           </a:p>
@@ -1184,7 +1187,7 @@
           <a:p>
             <a:fld id="{241EB5C9-1307-BA42-ABA2-0BC069CD8E7F}" type="datetimeFigureOut">
               <a:rPr lang="en-US" smtClean="0"/>
-              <a:t>10/31/2023</a:t>
+              <a:t>10/31/23</a:t>
             </a:fld>
             <a:endParaRPr lang="en-US"/>
           </a:p>
@@ -1724,7 +1727,7 @@
           <a:p>
             <a:fld id="{241EB5C9-1307-BA42-ABA2-0BC069CD8E7F}" type="datetimeFigureOut">
               <a:rPr lang="en-US" smtClean="0"/>
-              <a:t>10/31/2023</a:t>
+              <a:t>10/31/23</a:t>
             </a:fld>
             <a:endParaRPr lang="en-US"/>
           </a:p>
@@ -1972,7 +1975,7 @@
           <a:p>
             <a:fld id="{241EB5C9-1307-BA42-ABA2-0BC069CD8E7F}" type="datetimeFigureOut">
               <a:rPr lang="en-US" smtClean="0"/>
-              <a:t>10/31/2023</a:t>
+              <a:t>10/31/23</a:t>
             </a:fld>
             <a:endParaRPr lang="en-US"/>
           </a:p>
@@ -2504,7 +2507,7 @@
           <a:p>
             <a:fld id="{241EB5C9-1307-BA42-ABA2-0BC069CD8E7F}" type="datetimeFigureOut">
               <a:rPr lang="en-US" smtClean="0"/>
-              <a:t>10/31/2023</a:t>
+              <a:t>10/31/23</a:t>
             </a:fld>
             <a:endParaRPr lang="en-US"/>
           </a:p>
@@ -2801,7 +2804,7 @@
           <a:p>
             <a:fld id="{241EB5C9-1307-BA42-ABA2-0BC069CD8E7F}" type="datetimeFigureOut">
               <a:rPr lang="en-US" smtClean="0"/>
-              <a:t>10/31/2023</a:t>
+              <a:t>10/31/23</a:t>
             </a:fld>
             <a:endParaRPr lang="en-US"/>
           </a:p>
@@ -2975,7 +2978,7 @@
           <a:p>
             <a:fld id="{241EB5C9-1307-BA42-ABA2-0BC069CD8E7F}" type="datetimeFigureOut">
               <a:rPr lang="en-US" smtClean="0"/>
-              <a:t>10/31/2023</a:t>
+              <a:t>10/31/23</a:t>
             </a:fld>
             <a:endParaRPr lang="en-US"/>
           </a:p>
@@ -3155,7 +3158,7 @@
           <a:p>
             <a:fld id="{241EB5C9-1307-BA42-ABA2-0BC069CD8E7F}" type="datetimeFigureOut">
               <a:rPr lang="en-US" smtClean="0"/>
-              <a:t>10/31/2023</a:t>
+              <a:t>10/31/23</a:t>
             </a:fld>
             <a:endParaRPr lang="en-US"/>
           </a:p>
@@ -3325,7 +3328,7 @@
           <a:p>
             <a:fld id="{241EB5C9-1307-BA42-ABA2-0BC069CD8E7F}" type="datetimeFigureOut">
               <a:rPr lang="en-US" smtClean="0"/>
-              <a:t>10/31/2023</a:t>
+              <a:t>10/31/23</a:t>
             </a:fld>
             <a:endParaRPr lang="en-US"/>
           </a:p>
@@ -3576,7 +3579,7 @@
           <a:p>
             <a:fld id="{241EB5C9-1307-BA42-ABA2-0BC069CD8E7F}" type="datetimeFigureOut">
               <a:rPr lang="en-US" smtClean="0"/>
-              <a:t>10/31/2023</a:t>
+              <a:t>10/31/23</a:t>
             </a:fld>
             <a:endParaRPr lang="en-US"/>
           </a:p>
@@ -3873,7 +3876,7 @@
           <a:p>
             <a:fld id="{241EB5C9-1307-BA42-ABA2-0BC069CD8E7F}" type="datetimeFigureOut">
               <a:rPr lang="en-US" smtClean="0"/>
-              <a:t>10/31/2023</a:t>
+              <a:t>10/31/23</a:t>
             </a:fld>
             <a:endParaRPr lang="en-US"/>
           </a:p>
@@ -4315,7 +4318,7 @@
           <a:p>
             <a:fld id="{241EB5C9-1307-BA42-ABA2-0BC069CD8E7F}" type="datetimeFigureOut">
               <a:rPr lang="en-US" smtClean="0"/>
-              <a:t>10/31/2023</a:t>
+              <a:t>10/31/23</a:t>
             </a:fld>
             <a:endParaRPr lang="en-US"/>
           </a:p>
@@ -4433,7 +4436,7 @@
           <a:p>
             <a:fld id="{241EB5C9-1307-BA42-ABA2-0BC069CD8E7F}" type="datetimeFigureOut">
               <a:rPr lang="en-US" smtClean="0"/>
-              <a:t>10/31/2023</a:t>
+              <a:t>10/31/23</a:t>
             </a:fld>
             <a:endParaRPr lang="en-US"/>
           </a:p>
@@ -4528,7 +4531,7 @@
           <a:p>
             <a:fld id="{241EB5C9-1307-BA42-ABA2-0BC069CD8E7F}" type="datetimeFigureOut">
               <a:rPr lang="en-US" smtClean="0"/>
-              <a:t>10/31/2023</a:t>
+              <a:t>10/31/23</a:t>
             </a:fld>
             <a:endParaRPr lang="en-US"/>
           </a:p>
@@ -4811,7 +4814,7 @@
           <a:p>
             <a:fld id="{241EB5C9-1307-BA42-ABA2-0BC069CD8E7F}" type="datetimeFigureOut">
               <a:rPr lang="en-US" smtClean="0"/>
-              <a:t>10/31/2023</a:t>
+              <a:t>10/31/23</a:t>
             </a:fld>
             <a:endParaRPr lang="en-US"/>
           </a:p>
@@ -5102,7 +5105,7 @@
           <a:p>
             <a:fld id="{241EB5C9-1307-BA42-ABA2-0BC069CD8E7F}" type="datetimeFigureOut">
               <a:rPr lang="en-US" smtClean="0"/>
-              <a:t>10/31/2023</a:t>
+              <a:t>10/31/23</a:t>
             </a:fld>
             <a:endParaRPr lang="en-US"/>
           </a:p>
@@ -5632,7 +5635,7 @@
           <a:p>
             <a:fld id="{241EB5C9-1307-BA42-ABA2-0BC069CD8E7F}" type="datetimeFigureOut">
               <a:rPr lang="en-US" smtClean="0"/>
-              <a:t>10/31/2023</a:t>
+              <a:t>10/31/23</a:t>
             </a:fld>
             <a:endParaRPr lang="en-US"/>
           </a:p>
@@ -6266,6 +6269,169 @@
       </p:grpSpPr>
       <p:sp>
         <p:nvSpPr>
+          <p:cNvPr id="2" name="Title 1">
+            <a:extLst>
+              <a:ext uri="{FF2B5EF4-FFF2-40B4-BE49-F238E27FC236}">
+                <a16:creationId xmlns:a16="http://schemas.microsoft.com/office/drawing/2014/main" id="{E962A13D-6A63-A736-2981-653425A4991B}"/>
+              </a:ext>
+            </a:extLst>
+          </p:cNvPr>
+          <p:cNvSpPr>
+            <a:spLocks noGrp="1"/>
+          </p:cNvSpPr>
+          <p:nvPr>
+            <p:ph type="title"/>
+          </p:nvPr>
+        </p:nvSpPr>
+        <p:spPr>
+          <a:xfrm>
+            <a:off x="628650" y="161925"/>
+            <a:ext cx="7886700" cy="348854"/>
+          </a:xfrm>
+        </p:spPr>
+        <p:txBody>
+          <a:bodyPr>
+            <a:normAutofit fontScale="90000"/>
+          </a:bodyPr>
+          <a:lstStyle/>
+          <a:p>
+            <a:pPr algn="ctr"/>
+            <a:r>
+              <a:rPr lang="en-US" b="1"/>
+              <a:t>Analysis</a:t>
+            </a:r>
+            <a:endParaRPr lang="en-US" b="1" dirty="0"/>
+          </a:p>
+        </p:txBody>
+      </p:sp>
+      <p:sp>
+        <p:nvSpPr>
+          <p:cNvPr id="3" name="Content Placeholder 2">
+            <a:extLst>
+              <a:ext uri="{FF2B5EF4-FFF2-40B4-BE49-F238E27FC236}">
+                <a16:creationId xmlns:a16="http://schemas.microsoft.com/office/drawing/2014/main" id="{165EA017-C33A-AE46-EA84-2763F2E2F595}"/>
+              </a:ext>
+            </a:extLst>
+          </p:cNvPr>
+          <p:cNvSpPr>
+            <a:spLocks noGrp="1"/>
+          </p:cNvSpPr>
+          <p:nvPr>
+            <p:ph idx="1"/>
+          </p:nvPr>
+        </p:nvSpPr>
+        <p:spPr>
+          <a:xfrm>
+            <a:off x="1071710" y="882502"/>
+            <a:ext cx="7886700" cy="3605961"/>
+          </a:xfrm>
+        </p:spPr>
+        <p:txBody>
+          <a:bodyPr>
+            <a:normAutofit/>
+          </a:bodyPr>
+          <a:lstStyle/>
+          <a:p>
+            <a:endParaRPr lang="en-US" b="0" i="0" u="none" strike="noStrike" dirty="0">
+              <a:solidFill>
+                <a:srgbClr val="374151"/>
+              </a:solidFill>
+              <a:effectLst/>
+              <a:latin typeface="Söhne"/>
+            </a:endParaRPr>
+          </a:p>
+          <a:p>
+            <a:r>
+              <a:rPr lang="en-US" b="0" i="0" u="none" strike="noStrike" dirty="0">
+                <a:solidFill>
+                  <a:srgbClr val="374151"/>
+                </a:solidFill>
+                <a:effectLst/>
+                <a:latin typeface="Söhne"/>
+              </a:rPr>
+              <a:t>The first plot shows the distribution of job postings by keyword. "Machine learning" and "analysis" have the highest number of job postings, while "data engineering" and "neural networks" have the lowest.</a:t>
+            </a:r>
+          </a:p>
+          <a:p>
+            <a:r>
+              <a:rPr lang="en-US" b="0" i="0" u="none" strike="noStrike" dirty="0">
+                <a:solidFill>
+                  <a:srgbClr val="374151"/>
+                </a:solidFill>
+                <a:effectLst/>
+                <a:latin typeface="Söhne"/>
+              </a:rPr>
+              <a:t>The second plot displays the results of the Shapiro-Wilk normality test for each job search platform. </a:t>
+            </a:r>
+          </a:p>
+          <a:p>
+            <a:r>
+              <a:rPr lang="en-US" dirty="0">
+                <a:solidFill>
+                  <a:srgbClr val="374151"/>
+                </a:solidFill>
+                <a:latin typeface="Söhne"/>
+              </a:rPr>
+              <a:t>T</a:t>
+            </a:r>
+            <a:r>
+              <a:rPr lang="en-US" b="0" i="0" u="none" strike="noStrike" dirty="0">
+                <a:solidFill>
+                  <a:srgbClr val="374151"/>
+                </a:solidFill>
+                <a:effectLst/>
+                <a:latin typeface="Söhne"/>
+              </a:rPr>
+              <a:t>he third plot shows the alignment between the skills employers require and the skills employees list, particularly for skills like Python, Machine Learning, SQL, and Analysis. </a:t>
+            </a:r>
+          </a:p>
+          <a:p>
+            <a:r>
+              <a:rPr lang="en-US" b="0" i="0" u="none" strike="noStrike" dirty="0">
+                <a:solidFill>
+                  <a:srgbClr val="374151"/>
+                </a:solidFill>
+                <a:effectLst/>
+                <a:latin typeface="Söhne"/>
+              </a:rPr>
+              <a:t>However, there are some disparities, such as employers valuing Collaboration and Innovation more, while employees may not list these skills as prominently. </a:t>
+            </a:r>
+            <a:endParaRPr lang="en-US" dirty="0"/>
+          </a:p>
+        </p:txBody>
+      </p:sp>
+    </p:spTree>
+    <p:extLst>
+      <p:ext uri="{BB962C8B-B14F-4D97-AF65-F5344CB8AC3E}">
+        <p14:creationId xmlns:p14="http://schemas.microsoft.com/office/powerpoint/2010/main" val="1068415524"/>
+      </p:ext>
+    </p:extLst>
+  </p:cSld>
+  <p:clrMapOvr>
+    <a:masterClrMapping/>
+  </p:clrMapOvr>
+</p:sld>
+</file>
+
+<file path=ppt/slides/slide11.xml><?xml version="1.0" encoding="utf-8"?>
+<p:sld xmlns:a="http://schemas.openxmlformats.org/drawingml/2006/main" xmlns:r="http://schemas.openxmlformats.org/officeDocument/2006/relationships" xmlns:p="http://schemas.openxmlformats.org/presentationml/2006/main">
+  <p:cSld>
+    <p:spTree>
+      <p:nvGrpSpPr>
+        <p:cNvPr id="1" name=""/>
+        <p:cNvGrpSpPr/>
+        <p:nvPr/>
+      </p:nvGrpSpPr>
+      <p:grpSpPr>
+        <a:xfrm>
+          <a:off x="0" y="0"/>
+          <a:ext cx="0" cy="0"/>
+          <a:chOff x="0" y="0"/>
+          <a:chExt cx="0" cy="0"/>
+        </a:xfrm>
+      </p:grpSpPr>
+      <p:sp>
+        <p:nvSpPr>
           <p:cNvPr id="2" name="Title 1"/>
           <p:cNvSpPr>
             <a:spLocks noGrp="1"/>
@@ -6332,7 +6498,7 @@
 </p:sld>
 </file>
 
-<file path=ppt/slides/slide11.xml><?xml version="1.0" encoding="utf-8"?>
+<file path=ppt/slides/slide12.xml><?xml version="1.0" encoding="utf-8"?>
 <p:sld xmlns:a="http://schemas.openxmlformats.org/drawingml/2006/main" xmlns:r="http://schemas.openxmlformats.org/officeDocument/2006/relationships" xmlns:p="http://schemas.openxmlformats.org/presentationml/2006/main">
   <p:cSld>
     <p:spTree>
@@ -6417,131 +6583,6 @@
 </p:sld>
 </file>
 
-<file path=ppt/slides/slide12.xml><?xml version="1.0" encoding="utf-8"?>
-<p:sld xmlns:a="http://schemas.openxmlformats.org/drawingml/2006/main" xmlns:r="http://schemas.openxmlformats.org/officeDocument/2006/relationships" xmlns:p="http://schemas.openxmlformats.org/presentationml/2006/main">
-  <p:cSld>
-    <p:spTree>
-      <p:nvGrpSpPr>
-        <p:cNvPr id="1" name=""/>
-        <p:cNvGrpSpPr/>
-        <p:nvPr/>
-      </p:nvGrpSpPr>
-      <p:grpSpPr>
-        <a:xfrm>
-          <a:off x="0" y="0"/>
-          <a:ext cx="0" cy="0"/>
-          <a:chOff x="0" y="0"/>
-          <a:chExt cx="0" cy="0"/>
-        </a:xfrm>
-      </p:grpSpPr>
-      <p:sp>
-        <p:nvSpPr>
-          <p:cNvPr id="2" name="Title 1"/>
-          <p:cNvSpPr>
-            <a:spLocks noGrp="1"/>
-          </p:cNvSpPr>
-          <p:nvPr>
-            <p:ph type="title"/>
-          </p:nvPr>
-        </p:nvSpPr>
-        <p:spPr/>
-        <p:txBody>
-          <a:bodyPr/>
-          <a:lstStyle/>
-          <a:p>
-            <a:pPr marL="0" lvl="0" indent="0">
-              <a:buNone/>
-            </a:pPr>
-            <a:r>
-              <a:rPr dirty="0"/>
-              <a:t>Key Findings:</a:t>
-            </a:r>
-          </a:p>
-        </p:txBody>
-      </p:sp>
-      <p:sp>
-        <p:nvSpPr>
-          <p:cNvPr id="3" name="Content Placeholder 2"/>
-          <p:cNvSpPr>
-            <a:spLocks noGrp="1"/>
-          </p:cNvSpPr>
-          <p:nvPr>
-            <p:ph idx="1"/>
-          </p:nvPr>
-        </p:nvSpPr>
-        <p:spPr>
-          <a:xfrm>
-            <a:off x="1113233" y="1509204"/>
-            <a:ext cx="7514035" cy="2834197"/>
-          </a:xfrm>
-        </p:spPr>
-        <p:txBody>
-          <a:bodyPr>
-            <a:normAutofit/>
-          </a:bodyPr>
-          <a:lstStyle/>
-          <a:p>
-            <a:pPr marL="0" lvl="0" indent="0">
-              <a:spcBef>
-                <a:spcPts val="3000"/>
-              </a:spcBef>
-              <a:buNone/>
-            </a:pPr>
-            <a:r>
-              <a:rPr sz="1200" b="1" dirty="0"/>
-              <a:t>Skills:</a:t>
-            </a:r>
-          </a:p>
-          <a:p>
-            <a:pPr lvl="0"/>
-            <a:r>
-              <a:rPr sz="1200" dirty="0"/>
-              <a:t>In conclusion, the data reveals that job postings for various keywords on different platforms do not follow a normal distribution.</a:t>
-            </a:r>
-          </a:p>
-          <a:p>
-            <a:pPr lvl="0"/>
-            <a:r>
-              <a:rPr sz="1200" dirty="0"/>
-              <a:t>‘Machine learning’ and ‘analysis’ have the highest job postings, while ‘data engineering’ and ‘neural networks’ have the lowest.</a:t>
-            </a:r>
-          </a:p>
-          <a:p>
-            <a:pPr marL="0" lvl="0" indent="0">
-              <a:spcBef>
-                <a:spcPts val="3000"/>
-              </a:spcBef>
-              <a:buNone/>
-            </a:pPr>
-            <a:r>
-              <a:rPr sz="1200" b="1" dirty="0"/>
-              <a:t>Software:</a:t>
-            </a:r>
-          </a:p>
-          <a:p>
-            <a:pPr lvl="0"/>
-            <a:r>
-              <a:rPr sz="1200" dirty="0"/>
-              <a:t>Python, R and SQL are the top desired software skills across all of the job pages.</a:t>
-            </a:r>
-          </a:p>
-          <a:p>
-            <a:pPr lvl="0"/>
-            <a:r>
-              <a:rPr sz="1200" dirty="0"/>
-              <a:t>Spark, Hadoop and Java also pop up as in demand software. The less frequent software represents much more niche uses in the industry or is more suited for computer science purposes.</a:t>
-            </a:r>
-          </a:p>
-        </p:txBody>
-      </p:sp>
-    </p:spTree>
-  </p:cSld>
-  <p:clrMapOvr>
-    <a:masterClrMapping/>
-  </p:clrMapOvr>
-</p:sld>
-</file>
-
 <file path=ppt/slides/slide13.xml><?xml version="1.0" encoding="utf-8"?>
 <p:sld xmlns:a="http://schemas.openxmlformats.org/drawingml/2006/main" xmlns:r="http://schemas.openxmlformats.org/officeDocument/2006/relationships" xmlns:p="http://schemas.openxmlformats.org/presentationml/2006/main">
   <p:cSld>
@@ -6561,6 +6602,190 @@
       </p:grpSpPr>
       <p:sp>
         <p:nvSpPr>
+          <p:cNvPr id="2" name="Title 1">
+            <a:extLst>
+              <a:ext uri="{FF2B5EF4-FFF2-40B4-BE49-F238E27FC236}">
+                <a16:creationId xmlns:a16="http://schemas.microsoft.com/office/drawing/2014/main" id="{ACC89607-E5BC-EE53-1A06-59F6BBF48A19}"/>
+              </a:ext>
+            </a:extLst>
+          </p:cNvPr>
+          <p:cNvSpPr>
+            <a:spLocks noGrp="1"/>
+          </p:cNvSpPr>
+          <p:nvPr>
+            <p:ph type="title"/>
+          </p:nvPr>
+        </p:nvSpPr>
+        <p:spPr>
+          <a:xfrm>
+            <a:off x="1112638" y="227273"/>
+            <a:ext cx="7514035" cy="835984"/>
+          </a:xfrm>
+        </p:spPr>
+        <p:txBody>
+          <a:bodyPr/>
+          <a:lstStyle/>
+          <a:p>
+            <a:r>
+              <a:rPr lang="en-US" dirty="0"/>
+              <a:t>Employer req. vs. Employee List</a:t>
+            </a:r>
+          </a:p>
+        </p:txBody>
+      </p:sp>
+      <p:pic>
+        <p:nvPicPr>
+          <p:cNvPr id="5" name="Content Placeholder 4" descr="A graph of a graph of a person's skill&#10;&#10;Description automatically generated with medium confidence">
+            <a:extLst>
+              <a:ext uri="{FF2B5EF4-FFF2-40B4-BE49-F238E27FC236}">
+                <a16:creationId xmlns:a16="http://schemas.microsoft.com/office/drawing/2014/main" id="{677582BC-8A81-1807-7C7B-17B3C0916B83}"/>
+              </a:ext>
+            </a:extLst>
+          </p:cNvPr>
+          <p:cNvPicPr>
+            <a:picLocks noGrp="1" noChangeAspect="1"/>
+          </p:cNvPicPr>
+          <p:nvPr>
+            <p:ph idx="1"/>
+          </p:nvPr>
+        </p:nvPicPr>
+        <p:blipFill>
+          <a:blip r:embed="rId2"/>
+          <a:stretch>
+            <a:fillRect/>
+          </a:stretch>
+        </p:blipFill>
+        <p:spPr>
+          <a:xfrm>
+            <a:off x="1787173" y="1040663"/>
+            <a:ext cx="6164964" cy="3802772"/>
+          </a:xfrm>
+        </p:spPr>
+      </p:pic>
+    </p:spTree>
+    <p:extLst>
+      <p:ext uri="{BB962C8B-B14F-4D97-AF65-F5344CB8AC3E}">
+        <p14:creationId xmlns:p14="http://schemas.microsoft.com/office/powerpoint/2010/main" val="1813336324"/>
+      </p:ext>
+    </p:extLst>
+  </p:cSld>
+  <p:clrMapOvr>
+    <a:masterClrMapping/>
+  </p:clrMapOvr>
+</p:sld>
+</file>
+
+<file path=ppt/slides/slide14.xml><?xml version="1.0" encoding="utf-8"?>
+<p:sld xmlns:a="http://schemas.openxmlformats.org/drawingml/2006/main" xmlns:r="http://schemas.openxmlformats.org/officeDocument/2006/relationships" xmlns:p="http://schemas.openxmlformats.org/presentationml/2006/main">
+  <p:cSld>
+    <p:spTree>
+      <p:nvGrpSpPr>
+        <p:cNvPr id="1" name=""/>
+        <p:cNvGrpSpPr/>
+        <p:nvPr/>
+      </p:nvGrpSpPr>
+      <p:grpSpPr>
+        <a:xfrm>
+          <a:off x="0" y="0"/>
+          <a:ext cx="0" cy="0"/>
+          <a:chOff x="0" y="0"/>
+          <a:chExt cx="0" cy="0"/>
+        </a:xfrm>
+      </p:grpSpPr>
+      <p:sp>
+        <p:nvSpPr>
+          <p:cNvPr id="2" name="Title 1">
+            <a:extLst>
+              <a:ext uri="{FF2B5EF4-FFF2-40B4-BE49-F238E27FC236}">
+                <a16:creationId xmlns:a16="http://schemas.microsoft.com/office/drawing/2014/main" id="{6B3F9AC5-5C65-B94A-D884-DAA20E0763E6}"/>
+              </a:ext>
+            </a:extLst>
+          </p:cNvPr>
+          <p:cNvSpPr>
+            <a:spLocks noGrp="1"/>
+          </p:cNvSpPr>
+          <p:nvPr>
+            <p:ph type="title"/>
+          </p:nvPr>
+        </p:nvSpPr>
+        <p:spPr>
+          <a:xfrm>
+            <a:off x="1113234" y="337584"/>
+            <a:ext cx="7514035" cy="782821"/>
+          </a:xfrm>
+        </p:spPr>
+        <p:txBody>
+          <a:bodyPr/>
+          <a:lstStyle/>
+          <a:p>
+            <a:r>
+              <a:rPr lang="en-US" dirty="0"/>
+              <a:t>Current vs. 2018 Statistic </a:t>
+            </a:r>
+          </a:p>
+        </p:txBody>
+      </p:sp>
+      <p:pic>
+        <p:nvPicPr>
+          <p:cNvPr id="5" name="Content Placeholder 4" descr="A comparison of blue and blue graph&#10;&#10;Description automatically generated">
+            <a:extLst>
+              <a:ext uri="{FF2B5EF4-FFF2-40B4-BE49-F238E27FC236}">
+                <a16:creationId xmlns:a16="http://schemas.microsoft.com/office/drawing/2014/main" id="{8C904CBE-3DDD-F768-4B2B-37506FCA717C}"/>
+              </a:ext>
+            </a:extLst>
+          </p:cNvPr>
+          <p:cNvPicPr>
+            <a:picLocks noGrp="1" noChangeAspect="1"/>
+          </p:cNvPicPr>
+          <p:nvPr>
+            <p:ph idx="1"/>
+          </p:nvPr>
+        </p:nvPicPr>
+        <p:blipFill>
+          <a:blip r:embed="rId2"/>
+          <a:stretch>
+            <a:fillRect/>
+          </a:stretch>
+        </p:blipFill>
+        <p:spPr>
+          <a:xfrm>
+            <a:off x="1881964" y="1168917"/>
+            <a:ext cx="5922334" cy="3116004"/>
+          </a:xfrm>
+        </p:spPr>
+      </p:pic>
+    </p:spTree>
+    <p:extLst>
+      <p:ext uri="{BB962C8B-B14F-4D97-AF65-F5344CB8AC3E}">
+        <p14:creationId xmlns:p14="http://schemas.microsoft.com/office/powerpoint/2010/main" val="3782553292"/>
+      </p:ext>
+    </p:extLst>
+  </p:cSld>
+  <p:clrMapOvr>
+    <a:masterClrMapping/>
+  </p:clrMapOvr>
+</p:sld>
+</file>
+
+<file path=ppt/slides/slide15.xml><?xml version="1.0" encoding="utf-8"?>
+<p:sld xmlns:a="http://schemas.openxmlformats.org/drawingml/2006/main" xmlns:r="http://schemas.openxmlformats.org/officeDocument/2006/relationships" xmlns:p="http://schemas.openxmlformats.org/presentationml/2006/main">
+  <p:cSld>
+    <p:spTree>
+      <p:nvGrpSpPr>
+        <p:cNvPr id="1" name=""/>
+        <p:cNvGrpSpPr/>
+        <p:nvPr/>
+      </p:nvGrpSpPr>
+      <p:grpSpPr>
+        <a:xfrm>
+          <a:off x="0" y="0"/>
+          <a:ext cx="0" cy="0"/>
+          <a:chOff x="0" y="0"/>
+          <a:chExt cx="0" cy="0"/>
+        </a:xfrm>
+      </p:grpSpPr>
+      <p:sp>
+        <p:nvSpPr>
           <p:cNvPr id="2" name="Title 1"/>
           <p:cNvSpPr>
             <a:spLocks noGrp="1"/>
@@ -6633,7 +6858,132 @@
 </p:sld>
 </file>
 
-<file path=ppt/slides/slide14.xml><?xml version="1.0" encoding="utf-8"?>
+<file path=ppt/slides/slide16.xml><?xml version="1.0" encoding="utf-8"?>
+<p:sld xmlns:a="http://schemas.openxmlformats.org/drawingml/2006/main" xmlns:r="http://schemas.openxmlformats.org/officeDocument/2006/relationships" xmlns:p="http://schemas.openxmlformats.org/presentationml/2006/main">
+  <p:cSld>
+    <p:spTree>
+      <p:nvGrpSpPr>
+        <p:cNvPr id="1" name=""/>
+        <p:cNvGrpSpPr/>
+        <p:nvPr/>
+      </p:nvGrpSpPr>
+      <p:grpSpPr>
+        <a:xfrm>
+          <a:off x="0" y="0"/>
+          <a:ext cx="0" cy="0"/>
+          <a:chOff x="0" y="0"/>
+          <a:chExt cx="0" cy="0"/>
+        </a:xfrm>
+      </p:grpSpPr>
+      <p:sp>
+        <p:nvSpPr>
+          <p:cNvPr id="2" name="Title 1"/>
+          <p:cNvSpPr>
+            <a:spLocks noGrp="1"/>
+          </p:cNvSpPr>
+          <p:nvPr>
+            <p:ph type="title"/>
+          </p:nvPr>
+        </p:nvSpPr>
+        <p:spPr/>
+        <p:txBody>
+          <a:bodyPr/>
+          <a:lstStyle/>
+          <a:p>
+            <a:pPr marL="0" lvl="0" indent="0">
+              <a:buNone/>
+            </a:pPr>
+            <a:r>
+              <a:rPr dirty="0"/>
+              <a:t>Key Findings:</a:t>
+            </a:r>
+          </a:p>
+        </p:txBody>
+      </p:sp>
+      <p:sp>
+        <p:nvSpPr>
+          <p:cNvPr id="3" name="Content Placeholder 2"/>
+          <p:cNvSpPr>
+            <a:spLocks noGrp="1"/>
+          </p:cNvSpPr>
+          <p:nvPr>
+            <p:ph idx="1"/>
+          </p:nvPr>
+        </p:nvSpPr>
+        <p:spPr>
+          <a:xfrm>
+            <a:off x="1113233" y="1509204"/>
+            <a:ext cx="7514035" cy="2834197"/>
+          </a:xfrm>
+        </p:spPr>
+        <p:txBody>
+          <a:bodyPr>
+            <a:normAutofit/>
+          </a:bodyPr>
+          <a:lstStyle/>
+          <a:p>
+            <a:pPr marL="0" lvl="0" indent="0">
+              <a:spcBef>
+                <a:spcPts val="3000"/>
+              </a:spcBef>
+              <a:buNone/>
+            </a:pPr>
+            <a:r>
+              <a:rPr sz="1200" b="1" dirty="0"/>
+              <a:t>Skills:</a:t>
+            </a:r>
+          </a:p>
+          <a:p>
+            <a:pPr lvl="0"/>
+            <a:r>
+              <a:rPr sz="1200" dirty="0"/>
+              <a:t>In conclusion, the data reveals that job postings for various keywords on different platforms do not follow a normal distribution.</a:t>
+            </a:r>
+          </a:p>
+          <a:p>
+            <a:pPr lvl="0"/>
+            <a:r>
+              <a:rPr sz="1200" dirty="0"/>
+              <a:t>‘Machine learning’ and ‘analysis’ have the highest job postings, while ‘data engineering’ and ‘neural networks’ have the lowest.</a:t>
+            </a:r>
+          </a:p>
+          <a:p>
+            <a:pPr marL="0" lvl="0" indent="0">
+              <a:spcBef>
+                <a:spcPts val="3000"/>
+              </a:spcBef>
+              <a:buNone/>
+            </a:pPr>
+            <a:r>
+              <a:rPr sz="1200" b="1" dirty="0"/>
+              <a:t>Software:</a:t>
+            </a:r>
+          </a:p>
+          <a:p>
+            <a:pPr lvl="0"/>
+            <a:r>
+              <a:rPr sz="1200" dirty="0"/>
+              <a:t>Python, R and SQL are the top desired software skills across all of the job pages.</a:t>
+            </a:r>
+          </a:p>
+          <a:p>
+            <a:pPr lvl="0"/>
+            <a:r>
+              <a:rPr sz="1200" dirty="0"/>
+              <a:t>Spark, Hadoop and Java also pop up as in demand software. The less frequent software represents much more niche uses in the industry or is more suited for computer science purposes.</a:t>
+            </a:r>
+          </a:p>
+        </p:txBody>
+      </p:sp>
+    </p:spTree>
+  </p:cSld>
+  <p:clrMapOvr>
+    <a:masterClrMapping/>
+  </p:clrMapOvr>
+</p:sld>
+</file>
+
+<file path=ppt/slides/slide17.xml><?xml version="1.0" encoding="utf-8"?>
 <p:sld xmlns:a="http://schemas.openxmlformats.org/drawingml/2006/main" xmlns:r="http://schemas.openxmlformats.org/officeDocument/2006/relationships" xmlns:p="http://schemas.openxmlformats.org/presentationml/2006/main">
   <p:cSld>
     <p:spTree>
@@ -6721,7 +7071,7 @@
 </p:sld>
 </file>
 
-<file path=ppt/slides/slide15.xml><?xml version="1.0" encoding="utf-8"?>
+<file path=ppt/slides/slide18.xml><?xml version="1.0" encoding="utf-8"?>
 <p:sld xmlns:a="http://schemas.openxmlformats.org/drawingml/2006/main" xmlns:r="http://schemas.openxmlformats.org/officeDocument/2006/relationships" xmlns:p="http://schemas.openxmlformats.org/presentationml/2006/main">
   <p:cSld>
     <p:spTree>
@@ -6814,7 +7164,7 @@
 </p:sld>
 </file>
 
-<file path=ppt/slides/slide16.xml><?xml version="1.0" encoding="utf-8"?>
+<file path=ppt/slides/slide19.xml><?xml version="1.0" encoding="utf-8"?>
 <p:sld xmlns:a="http://schemas.openxmlformats.org/drawingml/2006/main" xmlns:r="http://schemas.openxmlformats.org/officeDocument/2006/relationships" xmlns:p="http://schemas.openxmlformats.org/presentationml/2006/main">
   <p:cSld>
     <p:spTree>
